--- a/01_FoundationProjects/CFL11_Half_Duplex_Sensor_DHT11_MQ135_Wireless_LoRa/CFL11_Half_Duplex_Sensor_DHT11_MQ135_Wireless_LoRa.pptx
+++ b/01_FoundationProjects/CFL11_Half_Duplex_Sensor_DHT11_MQ135_Wireless_LoRa/CFL11_Half_Duplex_Sensor_DHT11_MQ135_Wireless_LoRa.pptx
@@ -5591,6 +5591,42 @@
           </a:p>
         </p:txBody>
       </p:sp>
+      <p:pic>
+        <p:nvPicPr>
+          <p:cNvPr id="7" name="Picture 6">
+            <a:extLst>
+              <a:ext uri="{FF2B5EF4-FFF2-40B4-BE49-F238E27FC236}">
+                <a16:creationId xmlns:a16="http://schemas.microsoft.com/office/drawing/2014/main" id="{D9A252D5-80DA-27A8-ACD3-CD28B75FA03D}"/>
+              </a:ext>
+            </a:extLst>
+          </p:cNvPr>
+          <p:cNvPicPr>
+            <a:picLocks noChangeAspect="1"/>
+          </p:cNvPicPr>
+          <p:nvPr/>
+        </p:nvPicPr>
+        <p:blipFill>
+          <a:blip r:embed="rId4" cstate="print">
+            <a:extLst>
+              <a:ext uri="{28A0092B-C50C-407E-A947-70E740481C1C}">
+                <a14:useLocalDpi xmlns:a14="http://schemas.microsoft.com/office/drawing/2010/main" val="0"/>
+              </a:ext>
+            </a:extLst>
+          </a:blip>
+          <a:stretch>
+            <a:fillRect/>
+          </a:stretch>
+        </p:blipFill>
+        <p:spPr>
+          <a:xfrm>
+            <a:off x="9004852" y="1"/>
+            <a:ext cx="3125372" cy="842386"/>
+          </a:xfrm>
+          <a:prstGeom prst="rect">
+            <a:avLst/>
+          </a:prstGeom>
+        </p:spPr>
+      </p:pic>
     </p:spTree>
   </p:cSld>
   <p:clrMapOvr>
@@ -6207,6 +6243,66 @@
           </a:prstGeom>
         </p:spPr>
       </p:pic>
+      <p:pic>
+        <p:nvPicPr>
+          <p:cNvPr id="5" name="Picture 4">
+            <a:extLst>
+              <a:ext uri="{FF2B5EF4-FFF2-40B4-BE49-F238E27FC236}">
+                <a16:creationId xmlns:a16="http://schemas.microsoft.com/office/drawing/2014/main" id="{FC897491-36F8-E764-F598-3FB98CEC4164}"/>
+              </a:ext>
+            </a:extLst>
+          </p:cNvPr>
+          <p:cNvPicPr>
+            <a:picLocks noChangeAspect="1"/>
+          </p:cNvPicPr>
+          <p:nvPr/>
+        </p:nvPicPr>
+        <p:blipFill>
+          <a:blip r:embed="rId6"/>
+          <a:stretch>
+            <a:fillRect/>
+          </a:stretch>
+        </p:blipFill>
+        <p:spPr>
+          <a:xfrm>
+            <a:off x="61777" y="4658003"/>
+            <a:ext cx="1564393" cy="1278398"/>
+          </a:xfrm>
+          <a:prstGeom prst="rect">
+            <a:avLst/>
+          </a:prstGeom>
+        </p:spPr>
+      </p:pic>
+      <p:pic>
+        <p:nvPicPr>
+          <p:cNvPr id="12" name="Picture 11">
+            <a:extLst>
+              <a:ext uri="{FF2B5EF4-FFF2-40B4-BE49-F238E27FC236}">
+                <a16:creationId xmlns:a16="http://schemas.microsoft.com/office/drawing/2014/main" id="{C65C57FE-EF6F-1B3F-3843-D68639E93563}"/>
+              </a:ext>
+            </a:extLst>
+          </p:cNvPr>
+          <p:cNvPicPr>
+            <a:picLocks noChangeAspect="1"/>
+          </p:cNvPicPr>
+          <p:nvPr/>
+        </p:nvPicPr>
+        <p:blipFill>
+          <a:blip r:embed="rId7"/>
+          <a:stretch>
+            <a:fillRect/>
+          </a:stretch>
+        </p:blipFill>
+        <p:spPr>
+          <a:xfrm>
+            <a:off x="4309105" y="1976848"/>
+            <a:ext cx="1805599" cy="1252865"/>
+          </a:xfrm>
+          <a:prstGeom prst="rect">
+            <a:avLst/>
+          </a:prstGeom>
+        </p:spPr>
+      </p:pic>
     </p:spTree>
     <p:extLst>
       <p:ext uri="{BB962C8B-B14F-4D97-AF65-F5344CB8AC3E}">
@@ -6730,6 +6826,42 @@
           </a:p>
         </p:txBody>
       </p:sp>
+      <p:pic>
+        <p:nvPicPr>
+          <p:cNvPr id="3" name="Picture 2">
+            <a:extLst>
+              <a:ext uri="{FF2B5EF4-FFF2-40B4-BE49-F238E27FC236}">
+                <a16:creationId xmlns:a16="http://schemas.microsoft.com/office/drawing/2014/main" id="{3DCD5A5B-BA1F-27AB-0038-B06EC55FD4C7}"/>
+              </a:ext>
+            </a:extLst>
+          </p:cNvPr>
+          <p:cNvPicPr>
+            <a:picLocks noChangeAspect="1"/>
+          </p:cNvPicPr>
+          <p:nvPr/>
+        </p:nvPicPr>
+        <p:blipFill>
+          <a:blip r:embed="rId2" cstate="print">
+            <a:extLst>
+              <a:ext uri="{28A0092B-C50C-407E-A947-70E740481C1C}">
+                <a14:useLocalDpi xmlns:a14="http://schemas.microsoft.com/office/drawing/2010/main" val="0"/>
+              </a:ext>
+            </a:extLst>
+          </a:blip>
+          <a:stretch>
+            <a:fillRect/>
+          </a:stretch>
+        </p:blipFill>
+        <p:spPr>
+          <a:xfrm>
+            <a:off x="9004852" y="1"/>
+            <a:ext cx="3125372" cy="842386"/>
+          </a:xfrm>
+          <a:prstGeom prst="rect">
+            <a:avLst/>
+          </a:prstGeom>
+        </p:spPr>
+      </p:pic>
     </p:spTree>
     <p:extLst>
       <p:ext uri="{BB962C8B-B14F-4D97-AF65-F5344CB8AC3E}">
@@ -6933,13 +7065,18 @@
         </p:nvSpPr>
         <p:spPr bwMode="auto">
           <a:xfrm>
-            <a:off x="671051" y="5433020"/>
-            <a:ext cx="5680588" cy="923330"/>
+            <a:off x="592393" y="3974918"/>
+            <a:ext cx="5680588" cy="2492990"/>
           </a:xfrm>
           <a:prstGeom prst="rect">
             <a:avLst/>
           </a:prstGeom>
           <a:noFill/>
+          <a:ln>
+            <a:solidFill>
+              <a:schemeClr val="accent1"/>
+            </a:solidFill>
+          </a:ln>
         </p:spPr>
         <p:txBody>
           <a:bodyPr wrap="square">
@@ -7045,15 +7182,15 @@
               <a:defRPr/>
             </a:pPr>
             <a:r>
-              <a:rPr lang="en-GB" b="1" dirty="0"/>
+              <a:rPr lang="en-GB" sz="1200" b="1" dirty="0"/>
               <a:t>Code for Lesson CFL10 (</a:t>
             </a:r>
             <a:r>
-              <a:rPr lang="fr-FR" b="1" dirty="0"/>
+              <a:rPr lang="fr-FR" sz="1200" b="1" dirty="0"/>
               <a:t>CFL11_Half_Duplex_LoRa_DHT_Pollution_ESP32_A</a:t>
             </a:r>
             <a:r>
-              <a:rPr lang="en-GB" b="1" dirty="0"/>
+              <a:rPr lang="en-GB" sz="1200" b="1" dirty="0"/>
               <a:t>.ino)</a:t>
             </a:r>
           </a:p>
@@ -7062,21 +7199,106 @@
               <a:defRPr/>
             </a:pPr>
             <a:r>
-              <a:rPr lang="en-US" b="1" dirty="0"/>
+              <a:rPr lang="en-US" sz="1200" b="1" dirty="0"/>
               <a:t>(</a:t>
             </a:r>
             <a:r>
-              <a:rPr lang="fr-FR" b="1" dirty="0"/>
+              <a:rPr lang="fr-FR" sz="1200" b="1" dirty="0"/>
               <a:t>CFL11_Half_Duplex_LoRa_DHT_Pollution_ESP32_B</a:t>
             </a:r>
             <a:r>
-              <a:rPr lang="en-US" b="1" dirty="0"/>
-              <a:t>.ino)</a:t>
-            </a:r>
-            <a:endParaRPr lang="en-GB" b="1" dirty="0"/>
-          </a:p>
-        </p:txBody>
-      </p:sp>
+              <a:rPr lang="en-US" sz="1200" b="1" dirty="0"/>
+              <a:t>.</a:t>
+            </a:r>
+            <a:r>
+              <a:rPr lang="en-US" sz="1200" b="1" dirty="0" err="1"/>
+              <a:t>ino</a:t>
+            </a:r>
+            <a:r>
+              <a:rPr lang="en-US" sz="1200" b="1" dirty="0"/>
+              <a:t>)</a:t>
+            </a:r>
+          </a:p>
+          <a:p>
+            <a:pPr>
+              <a:defRPr/>
+            </a:pPr>
+            <a:endParaRPr lang="en-US" sz="1200" b="1" dirty="0"/>
+          </a:p>
+          <a:p>
+            <a:pPr>
+              <a:defRPr/>
+            </a:pPr>
+            <a:r>
+              <a:rPr lang="en-GB" sz="1200" b="1" dirty="0">
+                <a:hlinkClick r:id="rId4"/>
+              </a:rPr>
+              <a:t>https://github.com/info-zas/zas-robotics-communications/blob/main/01_FoundationProjects/CFL11_Half_Duplex_Sensor_DHT11_MQ135_Wireless_LoRa/CFL11_LoRa_Half_Dulex_Button_Pot_Tx/CFL11_LoRa_Half_Dulex_Button_Pot_Tx.ino</a:t>
+            </a:r>
+            <a:endParaRPr lang="en-GB" sz="1200" b="1" dirty="0"/>
+          </a:p>
+          <a:p>
+            <a:pPr>
+              <a:defRPr/>
+            </a:pPr>
+            <a:endParaRPr lang="en-GB" sz="1200" b="1" dirty="0"/>
+          </a:p>
+          <a:p>
+            <a:pPr>
+              <a:defRPr/>
+            </a:pPr>
+            <a:r>
+              <a:rPr lang="en-GB" sz="1200" b="1" dirty="0">
+                <a:hlinkClick r:id="rId5"/>
+              </a:rPr>
+              <a:t>https://github.com/info-zas/zas-robotics-communications/blob/main/01_FoundationProjects/CFL11_Half_Duplex_Sensor_DHT11_MQ135_Wireless_LoRa/CFL11_LoRa_Half_Dulex_Button_Pot_Rx/CFL11_LoRa_Half_Dulex_Button_Pot_Rx.ino</a:t>
+            </a:r>
+            <a:endParaRPr lang="en-GB" sz="1200" b="1" dirty="0"/>
+          </a:p>
+          <a:p>
+            <a:pPr>
+              <a:defRPr/>
+            </a:pPr>
+            <a:endParaRPr lang="en-GB" sz="1200" b="1" dirty="0"/>
+          </a:p>
+        </p:txBody>
+      </p:sp>
+      <p:pic>
+        <p:nvPicPr>
+          <p:cNvPr id="3" name="Picture 2">
+            <a:extLst>
+              <a:ext uri="{FF2B5EF4-FFF2-40B4-BE49-F238E27FC236}">
+                <a16:creationId xmlns:a16="http://schemas.microsoft.com/office/drawing/2014/main" id="{06F2BE1A-62C9-F924-66F0-1B28F5E6FE9C}"/>
+              </a:ext>
+            </a:extLst>
+          </p:cNvPr>
+          <p:cNvPicPr>
+            <a:picLocks noChangeAspect="1"/>
+          </p:cNvPicPr>
+          <p:nvPr/>
+        </p:nvPicPr>
+        <p:blipFill>
+          <a:blip r:embed="rId6" cstate="print">
+            <a:extLst>
+              <a:ext uri="{28A0092B-C50C-407E-A947-70E740481C1C}">
+                <a14:useLocalDpi xmlns:a14="http://schemas.microsoft.com/office/drawing/2010/main" val="0"/>
+              </a:ext>
+            </a:extLst>
+          </a:blip>
+          <a:stretch>
+            <a:fillRect/>
+          </a:stretch>
+        </p:blipFill>
+        <p:spPr>
+          <a:xfrm>
+            <a:off x="9004852" y="1"/>
+            <a:ext cx="3125372" cy="842386"/>
+          </a:xfrm>
+          <a:prstGeom prst="rect">
+            <a:avLst/>
+          </a:prstGeom>
+        </p:spPr>
+      </p:pic>
     </p:spTree>
     <p:extLst>
       <p:ext uri="{BB962C8B-B14F-4D97-AF65-F5344CB8AC3E}">
@@ -7202,164 +7424,6 @@
       </p:sp>
       <p:sp>
         <p:nvSpPr>
-          <p:cNvPr id="10" name="TextBox 13">
-            <a:extLst>
-              <a:ext uri="{FF2B5EF4-FFF2-40B4-BE49-F238E27FC236}">
-                <a16:creationId xmlns:a16="http://schemas.microsoft.com/office/drawing/2014/main" id="{F62DB672-4B30-1659-2DB8-F5570F4282B2}"/>
-              </a:ext>
-            </a:extLst>
-          </p:cNvPr>
-          <p:cNvSpPr txBox="1"/>
-          <p:nvPr/>
-        </p:nvSpPr>
-        <p:spPr bwMode="auto">
-          <a:xfrm>
-            <a:off x="671051" y="5433020"/>
-            <a:ext cx="5680588" cy="923330"/>
-          </a:xfrm>
-          <a:prstGeom prst="rect">
-            <a:avLst/>
-          </a:prstGeom>
-          <a:noFill/>
-        </p:spPr>
-        <p:txBody>
-          <a:bodyPr wrap="square">
-            <a:spAutoFit/>
-          </a:bodyPr>
-          <a:lstStyle>
-            <a:defPPr>
-              <a:defRPr lang="en-US"/>
-            </a:defPPr>
-            <a:lvl1pPr marL="0" algn="l" defTabSz="914400" rtl="0" eaLnBrk="1" latinLnBrk="0" hangingPunct="1">
-              <a:defRPr sz="1800" kern="1200">
-                <a:solidFill>
-                  <a:schemeClr val="tx1"/>
-                </a:solidFill>
-                <a:latin typeface="+mn-lt"/>
-                <a:ea typeface="+mn-ea"/>
-                <a:cs typeface="+mn-cs"/>
-              </a:defRPr>
-            </a:lvl1pPr>
-            <a:lvl2pPr marL="457200" algn="l" defTabSz="914400" rtl="0" eaLnBrk="1" latinLnBrk="0" hangingPunct="1">
-              <a:defRPr sz="1800" kern="1200">
-                <a:solidFill>
-                  <a:schemeClr val="tx1"/>
-                </a:solidFill>
-                <a:latin typeface="+mn-lt"/>
-                <a:ea typeface="+mn-ea"/>
-                <a:cs typeface="+mn-cs"/>
-              </a:defRPr>
-            </a:lvl2pPr>
-            <a:lvl3pPr marL="914400" algn="l" defTabSz="914400" rtl="0" eaLnBrk="1" latinLnBrk="0" hangingPunct="1">
-              <a:defRPr sz="1800" kern="1200">
-                <a:solidFill>
-                  <a:schemeClr val="tx1"/>
-                </a:solidFill>
-                <a:latin typeface="+mn-lt"/>
-                <a:ea typeface="+mn-ea"/>
-                <a:cs typeface="+mn-cs"/>
-              </a:defRPr>
-            </a:lvl3pPr>
-            <a:lvl4pPr marL="1371600" algn="l" defTabSz="914400" rtl="0" eaLnBrk="1" latinLnBrk="0" hangingPunct="1">
-              <a:defRPr sz="1800" kern="1200">
-                <a:solidFill>
-                  <a:schemeClr val="tx1"/>
-                </a:solidFill>
-                <a:latin typeface="+mn-lt"/>
-                <a:ea typeface="+mn-ea"/>
-                <a:cs typeface="+mn-cs"/>
-              </a:defRPr>
-            </a:lvl4pPr>
-            <a:lvl5pPr marL="1828800" algn="l" defTabSz="914400" rtl="0" eaLnBrk="1" latinLnBrk="0" hangingPunct="1">
-              <a:defRPr sz="1800" kern="1200">
-                <a:solidFill>
-                  <a:schemeClr val="tx1"/>
-                </a:solidFill>
-                <a:latin typeface="+mn-lt"/>
-                <a:ea typeface="+mn-ea"/>
-                <a:cs typeface="+mn-cs"/>
-              </a:defRPr>
-            </a:lvl5pPr>
-            <a:lvl6pPr marL="2286000" algn="l" defTabSz="914400" rtl="0" eaLnBrk="1" latinLnBrk="0" hangingPunct="1">
-              <a:defRPr sz="1800" kern="1200">
-                <a:solidFill>
-                  <a:schemeClr val="tx1"/>
-                </a:solidFill>
-                <a:latin typeface="+mn-lt"/>
-                <a:ea typeface="+mn-ea"/>
-                <a:cs typeface="+mn-cs"/>
-              </a:defRPr>
-            </a:lvl6pPr>
-            <a:lvl7pPr marL="2743200" algn="l" defTabSz="914400" rtl="0" eaLnBrk="1" latinLnBrk="0" hangingPunct="1">
-              <a:defRPr sz="1800" kern="1200">
-                <a:solidFill>
-                  <a:schemeClr val="tx1"/>
-                </a:solidFill>
-                <a:latin typeface="+mn-lt"/>
-                <a:ea typeface="+mn-ea"/>
-                <a:cs typeface="+mn-cs"/>
-              </a:defRPr>
-            </a:lvl7pPr>
-            <a:lvl8pPr marL="3200400" algn="l" defTabSz="914400" rtl="0" eaLnBrk="1" latinLnBrk="0" hangingPunct="1">
-              <a:defRPr sz="1800" kern="1200">
-                <a:solidFill>
-                  <a:schemeClr val="tx1"/>
-                </a:solidFill>
-                <a:latin typeface="+mn-lt"/>
-                <a:ea typeface="+mn-ea"/>
-                <a:cs typeface="+mn-cs"/>
-              </a:defRPr>
-            </a:lvl8pPr>
-            <a:lvl9pPr marL="3657600" algn="l" defTabSz="914400" rtl="0" eaLnBrk="1" latinLnBrk="0" hangingPunct="1">
-              <a:defRPr sz="1800" kern="1200">
-                <a:solidFill>
-                  <a:schemeClr val="tx1"/>
-                </a:solidFill>
-                <a:latin typeface="+mn-lt"/>
-                <a:ea typeface="+mn-ea"/>
-                <a:cs typeface="+mn-cs"/>
-              </a:defRPr>
-            </a:lvl9pPr>
-          </a:lstStyle>
-          <a:p>
-            <a:pPr>
-              <a:defRPr/>
-            </a:pPr>
-            <a:r>
-              <a:rPr lang="en-GB" b="1" dirty="0"/>
-              <a:t>Code for Lesson CFL10 (</a:t>
-            </a:r>
-            <a:r>
-              <a:rPr lang="fr-FR" b="1" dirty="0"/>
-              <a:t>CFL11_Half_Duplex_LoRa_DHT_Pollution_ESP32_A</a:t>
-            </a:r>
-            <a:r>
-              <a:rPr lang="en-GB" b="1" dirty="0"/>
-              <a:t>.ino)</a:t>
-            </a:r>
-          </a:p>
-          <a:p>
-            <a:pPr>
-              <a:defRPr/>
-            </a:pPr>
-            <a:r>
-              <a:rPr lang="en-US" b="1" dirty="0"/>
-              <a:t>(</a:t>
-            </a:r>
-            <a:r>
-              <a:rPr lang="fr-FR" b="1" dirty="0"/>
-              <a:t>CFL11_Half_Duplex_LoRa_DHT_Pollution_ESP32_B</a:t>
-            </a:r>
-            <a:r>
-              <a:rPr lang="en-US" b="1" dirty="0"/>
-              <a:t>.ino)</a:t>
-            </a:r>
-            <a:endParaRPr lang="en-GB" b="1" dirty="0"/>
-          </a:p>
-        </p:txBody>
-      </p:sp>
-      <p:sp>
-        <p:nvSpPr>
           <p:cNvPr id="12" name="TextBox 11">
             <a:extLst>
               <a:ext uri="{FF2B5EF4-FFF2-40B4-BE49-F238E27FC236}">
@@ -7782,6 +7846,42 @@
           </a:p>
         </p:txBody>
       </p:sp>
+      <p:pic>
+        <p:nvPicPr>
+          <p:cNvPr id="3" name="Picture 2">
+            <a:extLst>
+              <a:ext uri="{FF2B5EF4-FFF2-40B4-BE49-F238E27FC236}">
+                <a16:creationId xmlns:a16="http://schemas.microsoft.com/office/drawing/2014/main" id="{6EF3FC61-2A6A-3465-D055-7B6B7986D85D}"/>
+              </a:ext>
+            </a:extLst>
+          </p:cNvPr>
+          <p:cNvPicPr>
+            <a:picLocks noChangeAspect="1"/>
+          </p:cNvPicPr>
+          <p:nvPr/>
+        </p:nvPicPr>
+        <p:blipFill>
+          <a:blip r:embed="rId2" cstate="print">
+            <a:extLst>
+              <a:ext uri="{28A0092B-C50C-407E-A947-70E740481C1C}">
+                <a14:useLocalDpi xmlns:a14="http://schemas.microsoft.com/office/drawing/2010/main" val="0"/>
+              </a:ext>
+            </a:extLst>
+          </a:blip>
+          <a:stretch>
+            <a:fillRect/>
+          </a:stretch>
+        </p:blipFill>
+        <p:spPr>
+          <a:xfrm>
+            <a:off x="9004852" y="1"/>
+            <a:ext cx="3125372" cy="842386"/>
+          </a:xfrm>
+          <a:prstGeom prst="rect">
+            <a:avLst/>
+          </a:prstGeom>
+        </p:spPr>
+      </p:pic>
     </p:spTree>
     <p:extLst>
       <p:ext uri="{BB962C8B-B14F-4D97-AF65-F5344CB8AC3E}">
@@ -7929,6 +8029,42 @@
           <a:xfrm>
             <a:off x="2434192" y="2806771"/>
             <a:ext cx="6340389" cy="2149026"/>
+          </a:xfrm>
+          <a:prstGeom prst="rect">
+            <a:avLst/>
+          </a:prstGeom>
+        </p:spPr>
+      </p:pic>
+      <p:pic>
+        <p:nvPicPr>
+          <p:cNvPr id="3" name="Picture 2">
+            <a:extLst>
+              <a:ext uri="{FF2B5EF4-FFF2-40B4-BE49-F238E27FC236}">
+                <a16:creationId xmlns:a16="http://schemas.microsoft.com/office/drawing/2014/main" id="{13DD2759-FAE1-7BAF-4ED5-ED80C87CC02C}"/>
+              </a:ext>
+            </a:extLst>
+          </p:cNvPr>
+          <p:cNvPicPr>
+            <a:picLocks noChangeAspect="1"/>
+          </p:cNvPicPr>
+          <p:nvPr/>
+        </p:nvPicPr>
+        <p:blipFill>
+          <a:blip r:embed="rId3" cstate="print">
+            <a:extLst>
+              <a:ext uri="{28A0092B-C50C-407E-A947-70E740481C1C}">
+                <a14:useLocalDpi xmlns:a14="http://schemas.microsoft.com/office/drawing/2010/main" val="0"/>
+              </a:ext>
+            </a:extLst>
+          </a:blip>
+          <a:stretch>
+            <a:fillRect/>
+          </a:stretch>
+        </p:blipFill>
+        <p:spPr>
+          <a:xfrm>
+            <a:off x="9004852" y="1"/>
+            <a:ext cx="3125372" cy="842386"/>
           </a:xfrm>
           <a:prstGeom prst="rect">
             <a:avLst/>
@@ -8495,8 +8631,8 @@
         </p:blipFill>
         <p:spPr>
           <a:xfrm>
-            <a:off x="4336192" y="1392750"/>
-            <a:ext cx="7569084" cy="3978500"/>
+            <a:off x="4937165" y="1602648"/>
+            <a:ext cx="6937026" cy="3646274"/>
           </a:xfrm>
           <a:prstGeom prst="rect">
             <a:avLst/>
@@ -8517,13 +8653,18 @@
         </p:nvSpPr>
         <p:spPr bwMode="auto">
           <a:xfrm>
-            <a:off x="990600" y="5323145"/>
-            <a:ext cx="5003065" cy="923330"/>
+            <a:off x="161864" y="4909145"/>
+            <a:ext cx="5003065" cy="2308324"/>
           </a:xfrm>
           <a:prstGeom prst="rect">
             <a:avLst/>
           </a:prstGeom>
           <a:noFill/>
+          <a:ln w="19050">
+            <a:solidFill>
+              <a:schemeClr val="accent1"/>
+            </a:solidFill>
+          </a:ln>
         </p:spPr>
         <p:txBody>
           <a:bodyPr wrap="square">
@@ -8629,15 +8770,15 @@
               <a:defRPr/>
             </a:pPr>
             <a:r>
-              <a:rPr lang="en-GB" b="1" dirty="0"/>
+              <a:rPr lang="en-GB" sz="1200" b="1" dirty="0"/>
               <a:t>Code for Lesson CFL11 (</a:t>
             </a:r>
             <a:r>
-              <a:rPr lang="fr-FR" b="1" dirty="0"/>
+              <a:rPr lang="fr-FR" sz="1200" b="1" dirty="0"/>
               <a:t>CFL11_LoRa_Half_Dulex_DHT11_MQ135_Rx</a:t>
             </a:r>
             <a:r>
-              <a:rPr lang="en-GB" b="1" dirty="0"/>
+              <a:rPr lang="en-GB" sz="1200" b="1" dirty="0"/>
               <a:t>.ino)</a:t>
             </a:r>
           </a:p>
@@ -8646,13 +8787,84 @@
               <a:defRPr/>
             </a:pPr>
             <a:r>
-              <a:rPr lang="en-US" b="1" dirty="0"/>
+              <a:rPr lang="en-US" sz="1200" b="1" dirty="0"/>
               <a:t>(CFL11_LoRa_Half_Dulex_DHT11_MQ135_Tx.ino)</a:t>
             </a:r>
-            <a:endParaRPr lang="en-GB" b="1" dirty="0"/>
-          </a:p>
-        </p:txBody>
-      </p:sp>
+          </a:p>
+          <a:p>
+            <a:pPr>
+              <a:defRPr/>
+            </a:pPr>
+            <a:r>
+              <a:rPr lang="en-GB" sz="1200" b="1" dirty="0">
+                <a:hlinkClick r:id="rId3"/>
+              </a:rPr>
+              <a:t>https://github.com/info-zas/zas-robotics-communications/blob/main/01_FoundationProjects/CFL11_Half_Duplex_Sensor_DHT11_MQ135_Wireless_LoRa/CFL11_LoRa_Half_Dulex_DHT11_MQ135_Tx/CFL11_LoRa_Half_Dulex_DHT11_MQ135_Tx.ino</a:t>
+            </a:r>
+            <a:endParaRPr lang="en-GB" sz="1200" b="1" dirty="0"/>
+          </a:p>
+          <a:p>
+            <a:pPr>
+              <a:defRPr/>
+            </a:pPr>
+            <a:endParaRPr lang="en-GB" sz="1200" b="1" dirty="0"/>
+          </a:p>
+          <a:p>
+            <a:pPr>
+              <a:defRPr/>
+            </a:pPr>
+            <a:r>
+              <a:rPr lang="en-GB" sz="1200" b="1" dirty="0">
+                <a:hlinkClick r:id="rId4"/>
+              </a:rPr>
+              <a:t>https://github.com/info-zas/zas-robotics-communications/blob/main/01_FoundationProjects/CFL11_Half_Duplex_Sensor_DHT11_MQ135_Wireless_LoRa/CFL11_LoRa_Half_Dulex_DHT11_MQ135_Rx/CFL11_LoRa_Half_Dulex_DHT11_MQ135_Rx.ino</a:t>
+            </a:r>
+            <a:endParaRPr lang="en-GB" sz="1200" b="1" dirty="0"/>
+          </a:p>
+          <a:p>
+            <a:pPr>
+              <a:defRPr/>
+            </a:pPr>
+            <a:endParaRPr lang="en-GB" sz="1200" b="1" dirty="0"/>
+          </a:p>
+        </p:txBody>
+      </p:sp>
+      <p:pic>
+        <p:nvPicPr>
+          <p:cNvPr id="2" name="Picture 1">
+            <a:extLst>
+              <a:ext uri="{FF2B5EF4-FFF2-40B4-BE49-F238E27FC236}">
+                <a16:creationId xmlns:a16="http://schemas.microsoft.com/office/drawing/2014/main" id="{8742E46E-4C7D-CCE9-5AEC-F1ADC6506086}"/>
+              </a:ext>
+            </a:extLst>
+          </p:cNvPr>
+          <p:cNvPicPr>
+            <a:picLocks noChangeAspect="1"/>
+          </p:cNvPicPr>
+          <p:nvPr/>
+        </p:nvPicPr>
+        <p:blipFill>
+          <a:blip r:embed="rId5" cstate="print">
+            <a:extLst>
+              <a:ext uri="{28A0092B-C50C-407E-A947-70E740481C1C}">
+                <a14:useLocalDpi xmlns:a14="http://schemas.microsoft.com/office/drawing/2010/main" val="0"/>
+              </a:ext>
+            </a:extLst>
+          </a:blip>
+          <a:stretch>
+            <a:fillRect/>
+          </a:stretch>
+        </p:blipFill>
+        <p:spPr>
+          <a:xfrm>
+            <a:off x="9004852" y="1"/>
+            <a:ext cx="3125372" cy="842386"/>
+          </a:xfrm>
+          <a:prstGeom prst="rect">
+            <a:avLst/>
+          </a:prstGeom>
+        </p:spPr>
+      </p:pic>
     </p:spTree>
     <p:extLst>
       <p:ext uri="{BB962C8B-B14F-4D97-AF65-F5344CB8AC3E}">
